--- a/cSharp/참고자료/씨샵강의 자료/수업자료/실제 강의시 사용한 자료들/12/12단원.pptx
+++ b/cSharp/참고자료/씨샵강의 자료/수업자료/실제 강의시 사용한 자료들/12/12단원.pptx
@@ -239,7 +239,7 @@
             <a:fld id="{DC87C3E9-2372-4D2D-A8FE-578D26F0CAB8}" type="datetimeFigureOut">
               <a:rPr lang="ko-KR" altLang="en-US" smtClean="0"/>
               <a:pPr/>
-              <a:t>2020-04-09</a:t>
+              <a:t>2021-09-15</a:t>
             </a:fld>
             <a:endParaRPr lang="ko-KR" altLang="en-US"/>
           </a:p>
@@ -406,7 +406,7 @@
             <a:fld id="{05BC3899-2E4F-4D3A-8D29-BF4BDDE21DE2}" type="datetimeFigureOut">
               <a:rPr lang="ko-KR" altLang="en-US" smtClean="0"/>
               <a:pPr/>
-              <a:t>2020-04-09</a:t>
+              <a:t>2021-09-15</a:t>
             </a:fld>
             <a:endParaRPr lang="ko-KR" altLang="en-US"/>
           </a:p>
@@ -4644,7 +4644,7 @@
             <a:fld id="{4B2FD9B6-DC5A-4644-B01F-335E6DD2CDD1}" type="datetimeFigureOut">
               <a:rPr lang="ko-KR" altLang="en-US" smtClean="0"/>
               <a:pPr/>
-              <a:t>2020-04-09</a:t>
+              <a:t>2021-09-15</a:t>
             </a:fld>
             <a:endParaRPr lang="ko-KR" altLang="en-US" dirty="0"/>
           </a:p>
@@ -5253,6 +5253,13 @@
   <p:clrMapOvr>
     <a:masterClrMapping/>
   </p:clrMapOvr>
+  <p:timing>
+    <p:tnLst>
+      <p:par>
+        <p:cTn id="1" dur="indefinite" restart="never" nodeType="tmRoot"/>
+      </p:par>
+    </p:tnLst>
+  </p:timing>
 </p:sld>
 </file>
 
@@ -5399,6 +5406,13 @@
   <p:clrMapOvr>
     <a:masterClrMapping/>
   </p:clrMapOvr>
+  <p:timing>
+    <p:tnLst>
+      <p:par>
+        <p:cTn id="1" dur="indefinite" restart="never" nodeType="tmRoot"/>
+      </p:par>
+    </p:tnLst>
+  </p:timing>
 </p:sld>
 </file>
 
@@ -5761,6 +5775,13 @@
   <p:clrMapOvr>
     <a:masterClrMapping/>
   </p:clrMapOvr>
+  <p:timing>
+    <p:tnLst>
+      <p:par>
+        <p:cTn id="1" dur="indefinite" restart="never" nodeType="tmRoot"/>
+      </p:par>
+    </p:tnLst>
+  </p:timing>
 </p:sld>
 </file>
 
@@ -6173,6 +6194,13 @@
   <p:clrMapOvr>
     <a:masterClrMapping/>
   </p:clrMapOvr>
+  <p:timing>
+    <p:tnLst>
+      <p:par>
+        <p:cTn id="1" dur="indefinite" restart="never" nodeType="tmRoot"/>
+      </p:par>
+    </p:tnLst>
+  </p:timing>
 </p:sld>
 </file>
 
@@ -6584,6 +6612,13 @@
   <p:clrMapOvr>
     <a:masterClrMapping/>
   </p:clrMapOvr>
+  <p:timing>
+    <p:tnLst>
+      <p:par>
+        <p:cTn id="1" dur="indefinite" restart="never" nodeType="tmRoot"/>
+      </p:par>
+    </p:tnLst>
+  </p:timing>
 </p:sld>
 </file>
 
@@ -6843,6 +6878,13 @@
   <p:clrMapOvr>
     <a:masterClrMapping/>
   </p:clrMapOvr>
+  <p:timing>
+    <p:tnLst>
+      <p:par>
+        <p:cTn id="1" dur="indefinite" restart="never" nodeType="tmRoot"/>
+      </p:par>
+    </p:tnLst>
+  </p:timing>
 </p:sld>
 </file>
 
@@ -7083,6 +7125,13 @@
   <p:clrMapOvr>
     <a:masterClrMapping/>
   </p:clrMapOvr>
+  <p:timing>
+    <p:tnLst>
+      <p:par>
+        <p:cTn id="1" dur="indefinite" restart="never" nodeType="tmRoot"/>
+      </p:par>
+    </p:tnLst>
+  </p:timing>
 </p:sld>
 </file>
 
@@ -7350,6 +7399,13 @@
   <p:clrMapOvr>
     <a:masterClrMapping/>
   </p:clrMapOvr>
+  <p:timing>
+    <p:tnLst>
+      <p:par>
+        <p:cTn id="1" dur="indefinite" restart="never" nodeType="tmRoot"/>
+      </p:par>
+    </p:tnLst>
+  </p:timing>
 </p:sld>
 </file>
 
@@ -7597,6 +7653,13 @@
   <p:clrMapOvr>
     <a:masterClrMapping/>
   </p:clrMapOvr>
+  <p:timing>
+    <p:tnLst>
+      <p:par>
+        <p:cTn id="1" dur="indefinite" restart="never" nodeType="tmRoot"/>
+      </p:par>
+    </p:tnLst>
+  </p:timing>
 </p:sld>
 </file>
 
@@ -7938,6 +8001,13 @@
   <p:clrMapOvr>
     <a:masterClrMapping/>
   </p:clrMapOvr>
+  <p:timing>
+    <p:tnLst>
+      <p:par>
+        <p:cTn id="1" dur="indefinite" restart="never" nodeType="tmRoot"/>
+      </p:par>
+    </p:tnLst>
+  </p:timing>
 </p:sld>
 </file>
 
@@ -8185,6 +8255,13 @@
   <p:clrMapOvr>
     <a:masterClrMapping/>
   </p:clrMapOvr>
+  <p:timing>
+    <p:tnLst>
+      <p:par>
+        <p:cTn id="1" dur="indefinite" restart="never" nodeType="tmRoot"/>
+      </p:par>
+    </p:tnLst>
+  </p:timing>
 </p:sld>
 </file>
 
@@ -8341,6 +8418,13 @@
   <p:clrMapOvr>
     <a:masterClrMapping/>
   </p:clrMapOvr>
+  <p:timing>
+    <p:tnLst>
+      <p:par>
+        <p:cTn id="1" dur="indefinite" restart="never" nodeType="tmRoot"/>
+      </p:par>
+    </p:tnLst>
+  </p:timing>
 </p:sld>
 </file>
 
@@ -8610,6 +8694,13 @@
   <p:clrMapOvr>
     <a:masterClrMapping/>
   </p:clrMapOvr>
+  <p:timing>
+    <p:tnLst>
+      <p:par>
+        <p:cTn id="1" dur="indefinite" restart="never" nodeType="tmRoot"/>
+      </p:par>
+    </p:tnLst>
+  </p:timing>
 </p:sld>
 </file>
 
@@ -8853,6 +8944,13 @@
   <p:clrMapOvr>
     <a:masterClrMapping/>
   </p:clrMapOvr>
+  <p:timing>
+    <p:tnLst>
+      <p:par>
+        <p:cTn id="1" dur="indefinite" restart="never" nodeType="tmRoot"/>
+      </p:par>
+    </p:tnLst>
+  </p:timing>
 </p:sld>
 </file>
 
@@ -9096,6 +9194,13 @@
   <p:clrMapOvr>
     <a:masterClrMapping/>
   </p:clrMapOvr>
+  <p:timing>
+    <p:tnLst>
+      <p:par>
+        <p:cTn id="1" dur="indefinite" restart="never" nodeType="tmRoot"/>
+      </p:par>
+    </p:tnLst>
+  </p:timing>
 </p:sld>
 </file>
 
@@ -9315,6 +9420,13 @@
   <p:clrMapOvr>
     <a:masterClrMapping/>
   </p:clrMapOvr>
+  <p:timing>
+    <p:tnLst>
+      <p:par>
+        <p:cTn id="1" dur="indefinite" restart="never" nodeType="tmRoot"/>
+      </p:par>
+    </p:tnLst>
+  </p:timing>
 </p:sld>
 </file>
 
@@ -9534,6 +9646,13 @@
   <p:clrMapOvr>
     <a:masterClrMapping/>
   </p:clrMapOvr>
+  <p:timing>
+    <p:tnLst>
+      <p:par>
+        <p:cTn id="1" dur="indefinite" restart="never" nodeType="tmRoot"/>
+      </p:par>
+    </p:tnLst>
+  </p:timing>
 </p:sld>
 </file>
 
@@ -9567,6 +9686,13 @@
   <p:clrMapOvr>
     <a:masterClrMapping/>
   </p:clrMapOvr>
+  <p:timing>
+    <p:tnLst>
+      <p:par>
+        <p:cTn id="1" dur="indefinite" restart="never" nodeType="tmRoot"/>
+      </p:par>
+    </p:tnLst>
+  </p:timing>
 </p:sld>
 </file>
 
@@ -9875,6 +10001,13 @@
   <p:clrMapOvr>
     <a:masterClrMapping/>
   </p:clrMapOvr>
+  <p:timing>
+    <p:tnLst>
+      <p:par>
+        <p:cTn id="1" dur="indefinite" restart="never" nodeType="tmRoot"/>
+      </p:par>
+    </p:tnLst>
+  </p:timing>
 </p:sld>
 </file>
 
@@ -10150,6 +10283,13 @@
   <p:clrMapOvr>
     <a:masterClrMapping/>
   </p:clrMapOvr>
+  <p:timing>
+    <p:tnLst>
+      <p:par>
+        <p:cTn id="1" dur="indefinite" restart="never" nodeType="tmRoot"/>
+      </p:par>
+    </p:tnLst>
+  </p:timing>
 </p:sld>
 </file>
 
@@ -10455,6 +10595,13 @@
   <p:clrMapOvr>
     <a:masterClrMapping/>
   </p:clrMapOvr>
+  <p:timing>
+    <p:tnLst>
+      <p:par>
+        <p:cTn id="1" dur="indefinite" restart="never" nodeType="tmRoot"/>
+      </p:par>
+    </p:tnLst>
+  </p:timing>
 </p:sld>
 </file>
 
@@ -10738,6 +10885,13 @@
   <p:clrMapOvr>
     <a:masterClrMapping/>
   </p:clrMapOvr>
+  <p:timing>
+    <p:tnLst>
+      <p:par>
+        <p:cTn id="1" dur="indefinite" restart="never" nodeType="tmRoot"/>
+      </p:par>
+    </p:tnLst>
+  </p:timing>
 </p:sld>
 </file>
 
@@ -11039,6 +11193,13 @@
   <p:clrMapOvr>
     <a:masterClrMapping/>
   </p:clrMapOvr>
+  <p:timing>
+    <p:tnLst>
+      <p:par>
+        <p:cTn id="1" dur="indefinite" restart="never" nodeType="tmRoot"/>
+      </p:par>
+    </p:tnLst>
+  </p:timing>
 </p:sld>
 </file>
 
@@ -11437,6 +11598,13 @@
   <p:clrMapOvr>
     <a:masterClrMapping/>
   </p:clrMapOvr>
+  <p:timing>
+    <p:tnLst>
+      <p:par>
+        <p:cTn id="1" dur="indefinite" restart="never" nodeType="tmRoot"/>
+      </p:par>
+    </p:tnLst>
+  </p:timing>
 </p:sld>
 </file>
 
@@ -11699,6 +11867,13 @@
   <p:clrMapOvr>
     <a:masterClrMapping/>
   </p:clrMapOvr>
+  <p:timing>
+    <p:tnLst>
+      <p:par>
+        <p:cTn id="1" dur="indefinite" restart="never" nodeType="tmRoot"/>
+      </p:par>
+    </p:tnLst>
+  </p:timing>
 </p:sld>
 </file>
 
